--- a/navigation/jibebe_week_five_progress.pptx
+++ b/navigation/jibebe_week_five_progress.pptx
@@ -13768,7 +13768,7 @@
                 <a:latin typeface="Times New Roman"/>
                 <a:cs typeface="Times New Roman"/>
               </a:rPr>
-              <a:t>We were able to display the gps coordinates on the LCD.</a:t>
+              <a:t>We were able to stabilize the GPS coordinates stated in the code not to offer a variation of location coordinates even inside an obstructed  path eg, inside a building.</a:t>
             </a:r>
             <a:endParaRPr b="1">
               <a:latin typeface="Times New Roman"/>
